--- a/08.Pteron/01.CTC/TMC/inputs/20260121/TMC様ご提供_20260121_週次定例_v1.pptx
+++ b/08.Pteron/01.CTC/TMC/inputs/20260121/TMC様ご提供_20260121_週次定例_v1.pptx
@@ -918,7 +918,7 @@
           <a:p>
             <a:fld id="{A4E584F5-6254-4331-8D5D-DF18DB44FD90}" type="datetimeFigureOut">
               <a:rPr kumimoji="1" lang="ja-JP" altLang="en-US" smtClean="0"/>
-              <a:t>2026/1/20</a:t>
+              <a:t>2026/1/26</a:t>
             </a:fld>
             <a:endParaRPr kumimoji="1" lang="ja-JP" altLang="en-US"/>
           </a:p>
@@ -1364,7 +1364,7 @@
           <a:p>
             <a:fld id="{59AE6815-4391-4DC9-ACC7-3F71C70D82B1}" type="datetimeFigureOut">
               <a:rPr kumimoji="1" lang="ja-JP" altLang="en-US" smtClean="0"/>
-              <a:t>2026/1/21</a:t>
+              <a:t>2026/1/26</a:t>
             </a:fld>
             <a:endParaRPr kumimoji="1" lang="ja-JP" altLang="en-US"/>
           </a:p>
@@ -1594,7 +1594,7 @@
           <a:p>
             <a:fld id="{59AE6815-4391-4DC9-ACC7-3F71C70D82B1}" type="datetimeFigureOut">
               <a:rPr kumimoji="1" lang="ja-JP" altLang="en-US" smtClean="0"/>
-              <a:t>2026/1/21</a:t>
+              <a:t>2026/1/26</a:t>
             </a:fld>
             <a:endParaRPr kumimoji="1" lang="ja-JP" altLang="en-US"/>
           </a:p>
@@ -1834,7 +1834,7 @@
           <a:p>
             <a:fld id="{59AE6815-4391-4DC9-ACC7-3F71C70D82B1}" type="datetimeFigureOut">
               <a:rPr kumimoji="1" lang="ja-JP" altLang="en-US" smtClean="0"/>
-              <a:t>2026/1/21</a:t>
+              <a:t>2026/1/26</a:t>
             </a:fld>
             <a:endParaRPr kumimoji="1" lang="ja-JP" altLang="en-US"/>
           </a:p>
@@ -2064,7 +2064,7 @@
           <a:p>
             <a:fld id="{59AE6815-4391-4DC9-ACC7-3F71C70D82B1}" type="datetimeFigureOut">
               <a:rPr kumimoji="1" lang="ja-JP" altLang="en-US" smtClean="0"/>
-              <a:t>2026/1/21</a:t>
+              <a:t>2026/1/26</a:t>
             </a:fld>
             <a:endParaRPr kumimoji="1" lang="ja-JP" altLang="en-US"/>
           </a:p>
@@ -2383,7 +2383,7 @@
           <a:p>
             <a:fld id="{59AE6815-4391-4DC9-ACC7-3F71C70D82B1}" type="datetimeFigureOut">
               <a:rPr kumimoji="1" lang="ja-JP" altLang="en-US" smtClean="0"/>
-              <a:t>2026/1/21</a:t>
+              <a:t>2026/1/26</a:t>
             </a:fld>
             <a:endParaRPr kumimoji="1" lang="ja-JP" altLang="en-US"/>
           </a:p>
@@ -2712,7 +2712,7 @@
           <a:p>
             <a:fld id="{59AE6815-4391-4DC9-ACC7-3F71C70D82B1}" type="datetimeFigureOut">
               <a:rPr kumimoji="1" lang="ja-JP" altLang="en-US" smtClean="0"/>
-              <a:t>2026/1/21</a:t>
+              <a:t>2026/1/26</a:t>
             </a:fld>
             <a:endParaRPr kumimoji="1" lang="ja-JP" altLang="en-US"/>
           </a:p>
@@ -3188,7 +3188,7 @@
           <a:p>
             <a:fld id="{59AE6815-4391-4DC9-ACC7-3F71C70D82B1}" type="datetimeFigureOut">
               <a:rPr kumimoji="1" lang="ja-JP" altLang="en-US" smtClean="0"/>
-              <a:t>2026/1/21</a:t>
+              <a:t>2026/1/26</a:t>
             </a:fld>
             <a:endParaRPr kumimoji="1" lang="ja-JP" altLang="en-US"/>
           </a:p>
@@ -3329,7 +3329,7 @@
           <a:p>
             <a:fld id="{59AE6815-4391-4DC9-ACC7-3F71C70D82B1}" type="datetimeFigureOut">
               <a:rPr kumimoji="1" lang="ja-JP" altLang="en-US" smtClean="0"/>
-              <a:t>2026/1/21</a:t>
+              <a:t>2026/1/26</a:t>
             </a:fld>
             <a:endParaRPr kumimoji="1" lang="ja-JP" altLang="en-US"/>
           </a:p>
@@ -3442,7 +3442,7 @@
           <a:p>
             <a:fld id="{59AE6815-4391-4DC9-ACC7-3F71C70D82B1}" type="datetimeFigureOut">
               <a:rPr kumimoji="1" lang="ja-JP" altLang="en-US" smtClean="0"/>
-              <a:t>2026/1/21</a:t>
+              <a:t>2026/1/26</a:t>
             </a:fld>
             <a:endParaRPr kumimoji="1" lang="ja-JP" altLang="en-US"/>
           </a:p>
@@ -3785,7 +3785,7 @@
           <a:p>
             <a:fld id="{59AE6815-4391-4DC9-ACC7-3F71C70D82B1}" type="datetimeFigureOut">
               <a:rPr kumimoji="1" lang="ja-JP" altLang="en-US" smtClean="0"/>
-              <a:t>2026/1/21</a:t>
+              <a:t>2026/1/26</a:t>
             </a:fld>
             <a:endParaRPr kumimoji="1" lang="ja-JP" altLang="en-US"/>
           </a:p>
@@ -4073,7 +4073,7 @@
           <a:p>
             <a:fld id="{59AE6815-4391-4DC9-ACC7-3F71C70D82B1}" type="datetimeFigureOut">
               <a:rPr kumimoji="1" lang="ja-JP" altLang="en-US" smtClean="0"/>
-              <a:t>2026/1/21</a:t>
+              <a:t>2026/1/26</a:t>
             </a:fld>
             <a:endParaRPr kumimoji="1" lang="ja-JP" altLang="en-US"/>
           </a:p>
@@ -4346,7 +4346,7 @@
           <a:p>
             <a:fld id="{59AE6815-4391-4DC9-ACC7-3F71C70D82B1}" type="datetimeFigureOut">
               <a:rPr kumimoji="1" lang="ja-JP" altLang="en-US" smtClean="0"/>
-              <a:t>2026/1/21</a:t>
+              <a:t>2026/1/26</a:t>
             </a:fld>
             <a:endParaRPr kumimoji="1" lang="ja-JP" altLang="en-US"/>
           </a:p>
@@ -11344,12 +11344,9 @@
 </file>
 
 <file path=customXml/item1.xml><?xml version="1.0" encoding="utf-8"?>
-<?mso-contentType ?>
-<FormTemplates xmlns="http://schemas.microsoft.com/sharepoint/v3/contenttype/forms">
-  <Display>DocumentLibraryForm</Display>
-  <Edit>DocumentLibraryForm</Edit>
-  <New>DocumentLibraryForm</New>
-</FormTemplates>
+<p:properties xmlns:p="http://schemas.microsoft.com/office/2006/metadata/properties" xmlns:xsi="http://www.w3.org/2001/XMLSchema-instance" xmlns:pc="http://schemas.microsoft.com/office/infopath/2007/PartnerControls">
+  <documentManagement/>
+</p:properties>
 </file>
 
 <file path=customXml/item2.xml><?xml version="1.0" encoding="utf-8"?>
@@ -11515,24 +11512,15 @@
 </file>
 
 <file path=customXml/item3.xml><?xml version="1.0" encoding="utf-8"?>
-<p:properties xmlns:p="http://schemas.microsoft.com/office/2006/metadata/properties" xmlns:xsi="http://www.w3.org/2001/XMLSchema-instance" xmlns:pc="http://schemas.microsoft.com/office/infopath/2007/PartnerControls">
-  <documentManagement/>
-</p:properties>
+<?mso-contentType ?>
+<FormTemplates xmlns="http://schemas.microsoft.com/sharepoint/v3/contenttype/forms">
+  <Display>DocumentLibraryForm</Display>
+  <Edit>DocumentLibraryForm</Edit>
+  <New>DocumentLibraryForm</New>
+</FormTemplates>
 </file>
 
 <file path=customXml/itemProps1.xml><?xml version="1.0" encoding="utf-8"?>
-<ds:datastoreItem xmlns:ds="http://schemas.openxmlformats.org/officeDocument/2006/customXml" ds:itemID="{77DFF298-38DD-4BCA-B020-D470BEEFE68D}">
-  <ds:schemaRefs>
-    <ds:schemaRef ds:uri="http://schemas.microsoft.com/sharepoint/v3/contenttype/forms"/>
-  </ds:schemaRefs>
-</ds:datastoreItem>
-</file>
-
-<file path=customXml/itemProps2.xml><?xml version="1.0" encoding="utf-8"?>
-<ds:datastoreItem xmlns:ds="http://schemas.openxmlformats.org/officeDocument/2006/customXml" ds:itemID="{FBE84D28-F699-446E-8659-449FE2EE7C38}"/>
-</file>
-
-<file path=customXml/itemProps3.xml><?xml version="1.0" encoding="utf-8"?>
 <ds:datastoreItem xmlns:ds="http://schemas.openxmlformats.org/officeDocument/2006/customXml" ds:itemID="{95DE6876-4112-4C3B-9CDD-86B5079B521C}">
   <ds:schemaRefs>
     <ds:schemaRef ds:uri="247dd3b0-50df-45af-8320-eb939bca1e06"/>
@@ -11549,6 +11537,32 @@
 </ds:datastoreItem>
 </file>
 
+<file path=customXml/itemProps2.xml><?xml version="1.0" encoding="utf-8"?>
+<ds:datastoreItem xmlns:ds="http://schemas.openxmlformats.org/officeDocument/2006/customXml" ds:itemID="{FBE84D28-F699-446E-8659-449FE2EE7C38}">
+  <ds:schemaRefs>
+    <ds:schemaRef ds:uri="http://schemas.microsoft.com/office/2006/metadata/contentType"/>
+    <ds:schemaRef ds:uri="http://schemas.microsoft.com/office/2006/metadata/properties/metaAttributes"/>
+    <ds:schemaRef ds:uri="http://www.w3.org/2001/XMLSchema"/>
+    <ds:schemaRef ds:uri="http://schemas.microsoft.com/office/2006/metadata/properties"/>
+    <ds:schemaRef ds:uri="db651b74-da45-491c-b964-f21fd00939ac"/>
+    <ds:schemaRef ds:uri="http://schemas.microsoft.com/office/2006/documentManagement/types"/>
+    <ds:schemaRef ds:uri="http://schemas.microsoft.com/office/infopath/2007/PartnerControls"/>
+    <ds:schemaRef ds:uri="http://schemas.openxmlformats.org/package/2006/metadata/core-properties"/>
+    <ds:schemaRef ds:uri="http://purl.org/dc/elements/1.1/"/>
+    <ds:schemaRef ds:uri="http://purl.org/dc/terms/"/>
+    <ds:schemaRef ds:uri="http://schemas.microsoft.com/internal/obd"/>
+  </ds:schemaRefs>
+</ds:datastoreItem>
+</file>
+
+<file path=customXml/itemProps3.xml><?xml version="1.0" encoding="utf-8"?>
+<ds:datastoreItem xmlns:ds="http://schemas.openxmlformats.org/officeDocument/2006/customXml" ds:itemID="{77DFF298-38DD-4BCA-B020-D470BEEFE68D}">
+  <ds:schemaRefs>
+    <ds:schemaRef ds:uri="http://schemas.microsoft.com/sharepoint/v3/contenttype/forms"/>
+  </ds:schemaRefs>
+</ds:datastoreItem>
+</file>
+
 <file path=docMetadata/LabelInfo.xml><?xml version="1.0" encoding="utf-8"?>
 <clbl:labelList xmlns:clbl="http://schemas.microsoft.com/office/2020/mipLabelMetadata">
   <clbl:label id="{d1c1335e-f582-42a9-b6fe-5e1a16eb9bc8}" enabled="0" method="" siteId="{d1c1335e-f582-42a9-b6fe-5e1a16eb9bc8}" removed="1"/>
